--- a/Crosstalk.pptx
+++ b/Crosstalk.pptx
@@ -6,7 +6,7 @@
     <p:sldMasterId id="2147483661" r:id="rId2"/>
   </p:sldMasterIdLst>
   <p:notesMasterIdLst>
-    <p:notesMasterId r:id="rId9"/>
+    <p:notesMasterId r:id="rId14"/>
   </p:notesMasterIdLst>
   <p:sldIdLst>
     <p:sldId id="256" r:id="rId3"/>
@@ -15,6 +15,11 @@
     <p:sldId id="1899" r:id="rId6"/>
     <p:sldId id="1900" r:id="rId7"/>
     <p:sldId id="1901" r:id="rId8"/>
+    <p:sldId id="1902" r:id="rId9"/>
+    <p:sldId id="1903" r:id="rId10"/>
+    <p:sldId id="1904" r:id="rId11"/>
+    <p:sldId id="1905" r:id="rId12"/>
+    <p:sldId id="1906" r:id="rId13"/>
   </p:sldIdLst>
   <p:sldSz cx="12192000" cy="6858000"/>
   <p:notesSz cx="6858000" cy="9144000"/>
@@ -7203,6 +7208,313 @@
 </p:sld>
 </file>
 
+<file path=ppt/slides/slide10.xml><?xml version="1.0" encoding="utf-8"?>
+<p:sld xmlns:a="http://schemas.openxmlformats.org/drawingml/2006/main" xmlns:r="http://schemas.openxmlformats.org/officeDocument/2006/relationships" xmlns:p="http://schemas.openxmlformats.org/presentationml/2006/main">
+  <p:cSld>
+    <p:spTree>
+      <p:nvGrpSpPr>
+        <p:cNvPr id="1" name=""/>
+        <p:cNvGrpSpPr/>
+        <p:nvPr/>
+      </p:nvGrpSpPr>
+      <p:grpSpPr>
+        <a:xfrm>
+          <a:off x="0" y="0"/>
+          <a:ext cx="0" cy="0"/>
+          <a:chOff x="0" y="0"/>
+          <a:chExt cx="0" cy="0"/>
+        </a:xfrm>
+      </p:grpSpPr>
+      <p:sp>
+        <p:nvSpPr>
+          <p:cNvPr id="2" name="Title 1">
+            <a:extLst>
+              <a:ext uri="{FF2B5EF4-FFF2-40B4-BE49-F238E27FC236}">
+                <a16:creationId xmlns:a16="http://schemas.microsoft.com/office/drawing/2014/main" id="{CF2B1CE9-CB1A-80D3-F506-2373E0C8298C}"/>
+              </a:ext>
+            </a:extLst>
+          </p:cNvPr>
+          <p:cNvSpPr>
+            <a:spLocks noGrp="1"/>
+          </p:cNvSpPr>
+          <p:nvPr>
+            <p:ph type="title"/>
+          </p:nvPr>
+        </p:nvSpPr>
+        <p:spPr/>
+        <p:txBody>
+          <a:bodyPr/>
+          <a:lstStyle/>
+          <a:p>
+            <a:r>
+              <a:rPr lang="en-US" dirty="0"/>
+              <a:t>Probabilistic Error Cancellation (PEC)</a:t>
+            </a:r>
+          </a:p>
+        </p:txBody>
+      </p:sp>
+      <p:sp>
+        <p:nvSpPr>
+          <p:cNvPr id="3" name="Content Placeholder 2">
+            <a:extLst>
+              <a:ext uri="{FF2B5EF4-FFF2-40B4-BE49-F238E27FC236}">
+                <a16:creationId xmlns:a16="http://schemas.microsoft.com/office/drawing/2014/main" id="{5C5EEA71-9CC0-A05E-BAD5-292B5EB13E12}"/>
+              </a:ext>
+            </a:extLst>
+          </p:cNvPr>
+          <p:cNvSpPr>
+            <a:spLocks noGrp="1"/>
+          </p:cNvSpPr>
+          <p:nvPr>
+            <p:ph idx="1"/>
+          </p:nvPr>
+        </p:nvSpPr>
+        <p:spPr/>
+        <p:txBody>
+          <a:bodyPr/>
+          <a:lstStyle/>
+          <a:p>
+            <a:r>
+              <a:rPr lang="fr-FR" sz="3200" dirty="0"/>
+              <a:t>PEC </a:t>
+            </a:r>
+            <a:r>
+              <a:rPr lang="fr-FR" sz="3200" dirty="0" err="1"/>
+              <a:t>is</a:t>
+            </a:r>
+            <a:r>
+              <a:rPr lang="fr-FR" sz="3200" dirty="0"/>
+              <a:t> a </a:t>
+            </a:r>
+            <a:r>
+              <a:rPr lang="fr-FR" sz="3200" dirty="0" err="1"/>
+              <a:t>zero</a:t>
+            </a:r>
+            <a:r>
+              <a:rPr lang="fr-FR" sz="3200" dirty="0"/>
+              <a:t>-noise extrapolation technique. </a:t>
+            </a:r>
+            <a:endParaRPr lang="en-US" sz="3200" dirty="0"/>
+          </a:p>
+          <a:p>
+            <a:r>
+              <a:rPr lang="en-US" sz="3200" dirty="0"/>
+              <a:t>Model crosstalk-affected gate as a noisy channel.</a:t>
+            </a:r>
+          </a:p>
+          <a:p>
+            <a:r>
+              <a:rPr lang="en-US" sz="3200" dirty="0"/>
+              <a:t>Decompose into ideal + error operations, sampled via quasi-probabilities.</a:t>
+            </a:r>
+          </a:p>
+          <a:p>
+            <a:r>
+              <a:rPr lang="en-US" sz="3200" dirty="0"/>
+              <a:t>It uses Gate Set Tomography (GST) to learn how each gate deviates from the ideal.</a:t>
+            </a:r>
+          </a:p>
+          <a:p>
+            <a:r>
+              <a:rPr lang="en-US" sz="3200" b="1" dirty="0"/>
+              <a:t>GST process can be extended to include correlated gate pairs. </a:t>
+            </a:r>
+          </a:p>
+          <a:p>
+            <a:endParaRPr lang="en-US" dirty="0"/>
+          </a:p>
+        </p:txBody>
+      </p:sp>
+      <p:sp>
+        <p:nvSpPr>
+          <p:cNvPr id="4" name="Footer Placeholder 3">
+            <a:extLst>
+              <a:ext uri="{FF2B5EF4-FFF2-40B4-BE49-F238E27FC236}">
+                <a16:creationId xmlns:a16="http://schemas.microsoft.com/office/drawing/2014/main" id="{5EEA86A9-04C1-CE56-3866-D6447D94ADD7}"/>
+              </a:ext>
+            </a:extLst>
+          </p:cNvPr>
+          <p:cNvSpPr>
+            <a:spLocks noGrp="1"/>
+          </p:cNvSpPr>
+          <p:nvPr>
+            <p:ph type="ftr" sz="quarter" idx="11"/>
+          </p:nvPr>
+        </p:nvSpPr>
+        <p:spPr/>
+        <p:txBody>
+          <a:bodyPr/>
+          <a:lstStyle/>
+          <a:p>
+            <a:r>
+              <a:rPr lang="en-US"/>
+              <a:t>All Rights Reserved</a:t>
+            </a:r>
+            <a:endParaRPr lang="en-US" dirty="0"/>
+          </a:p>
+        </p:txBody>
+      </p:sp>
+    </p:spTree>
+    <p:extLst>
+      <p:ext uri="{BB962C8B-B14F-4D97-AF65-F5344CB8AC3E}">
+        <p14:creationId xmlns:p14="http://schemas.microsoft.com/office/powerpoint/2010/main" val="1708743895"/>
+      </p:ext>
+    </p:extLst>
+  </p:cSld>
+  <p:clrMapOvr>
+    <a:masterClrMapping/>
+  </p:clrMapOvr>
+</p:sld>
+</file>
+
+<file path=ppt/slides/slide11.xml><?xml version="1.0" encoding="utf-8"?>
+<p:sld xmlns:a="http://schemas.openxmlformats.org/drawingml/2006/main" xmlns:r="http://schemas.openxmlformats.org/officeDocument/2006/relationships" xmlns:p="http://schemas.openxmlformats.org/presentationml/2006/main">
+  <p:cSld>
+    <p:spTree>
+      <p:nvGrpSpPr>
+        <p:cNvPr id="1" name=""/>
+        <p:cNvGrpSpPr/>
+        <p:nvPr/>
+      </p:nvGrpSpPr>
+      <p:grpSpPr>
+        <a:xfrm>
+          <a:off x="0" y="0"/>
+          <a:ext cx="0" cy="0"/>
+          <a:chOff x="0" y="0"/>
+          <a:chExt cx="0" cy="0"/>
+        </a:xfrm>
+      </p:grpSpPr>
+      <p:sp>
+        <p:nvSpPr>
+          <p:cNvPr id="2" name="Title 1">
+            <a:extLst>
+              <a:ext uri="{FF2B5EF4-FFF2-40B4-BE49-F238E27FC236}">
+                <a16:creationId xmlns:a16="http://schemas.microsoft.com/office/drawing/2014/main" id="{670DDB47-FB4E-9638-90F9-87262D806BCE}"/>
+              </a:ext>
+            </a:extLst>
+          </p:cNvPr>
+          <p:cNvSpPr>
+            <a:spLocks noGrp="1"/>
+          </p:cNvSpPr>
+          <p:nvPr>
+            <p:ph type="title"/>
+          </p:nvPr>
+        </p:nvSpPr>
+        <p:spPr/>
+        <p:txBody>
+          <a:bodyPr/>
+          <a:lstStyle/>
+          <a:p>
+            <a:r>
+              <a:rPr lang="en-US" dirty="0"/>
+              <a:t>Research Ideas</a:t>
+            </a:r>
+          </a:p>
+        </p:txBody>
+      </p:sp>
+      <p:sp>
+        <p:nvSpPr>
+          <p:cNvPr id="3" name="Content Placeholder 2">
+            <a:extLst>
+              <a:ext uri="{FF2B5EF4-FFF2-40B4-BE49-F238E27FC236}">
+                <a16:creationId xmlns:a16="http://schemas.microsoft.com/office/drawing/2014/main" id="{20458FE2-244C-64AC-CA21-F803FA6E0B1D}"/>
+              </a:ext>
+            </a:extLst>
+          </p:cNvPr>
+          <p:cNvSpPr>
+            <a:spLocks noGrp="1"/>
+          </p:cNvSpPr>
+          <p:nvPr>
+            <p:ph idx="1"/>
+          </p:nvPr>
+        </p:nvSpPr>
+        <p:spPr/>
+        <p:txBody>
+          <a:bodyPr/>
+          <a:lstStyle/>
+          <a:p>
+            <a:r>
+              <a:rPr lang="en-US" dirty="0"/>
+              <a:t>We might combine these ideas but still need a better way to proceed.</a:t>
+            </a:r>
+          </a:p>
+          <a:p>
+            <a:endParaRPr lang="en-US" dirty="0"/>
+          </a:p>
+          <a:p>
+            <a:endParaRPr lang="en-US" dirty="0"/>
+          </a:p>
+          <a:p>
+            <a:pPr marL="0" indent="0">
+              <a:buNone/>
+            </a:pPr>
+            <a:r>
+              <a:rPr lang="en-US" b="1" dirty="0"/>
+              <a:t>References:</a:t>
+            </a:r>
+          </a:p>
+          <a:p>
+            <a:pPr marL="0" indent="0">
+              <a:buNone/>
+            </a:pPr>
+            <a:r>
+              <a:rPr lang="en-US" dirty="0">
+                <a:hlinkClick r:id="rId2"/>
+              </a:rPr>
+              <a:t>https://github.com/syedshubha/CrosstalkMTC</a:t>
+            </a:r>
+            <a:endParaRPr lang="en-US" dirty="0"/>
+          </a:p>
+          <a:p>
+            <a:pPr marL="0" indent="0">
+              <a:buNone/>
+            </a:pPr>
+            <a:endParaRPr lang="en-US" dirty="0"/>
+          </a:p>
+        </p:txBody>
+      </p:sp>
+      <p:sp>
+        <p:nvSpPr>
+          <p:cNvPr id="4" name="Footer Placeholder 3">
+            <a:extLst>
+              <a:ext uri="{FF2B5EF4-FFF2-40B4-BE49-F238E27FC236}">
+                <a16:creationId xmlns:a16="http://schemas.microsoft.com/office/drawing/2014/main" id="{5517CEBB-4744-2F61-7F6B-CB3952C4D1A1}"/>
+              </a:ext>
+            </a:extLst>
+          </p:cNvPr>
+          <p:cNvSpPr>
+            <a:spLocks noGrp="1"/>
+          </p:cNvSpPr>
+          <p:nvPr>
+            <p:ph type="ftr" sz="quarter" idx="11"/>
+          </p:nvPr>
+        </p:nvSpPr>
+        <p:spPr/>
+        <p:txBody>
+          <a:bodyPr/>
+          <a:lstStyle/>
+          <a:p>
+            <a:r>
+              <a:rPr lang="en-US"/>
+              <a:t>All Rights Reserved</a:t>
+            </a:r>
+            <a:endParaRPr lang="en-US" dirty="0"/>
+          </a:p>
+        </p:txBody>
+      </p:sp>
+    </p:spTree>
+    <p:extLst>
+      <p:ext uri="{BB962C8B-B14F-4D97-AF65-F5344CB8AC3E}">
+        <p14:creationId xmlns:p14="http://schemas.microsoft.com/office/powerpoint/2010/main" val="3125253629"/>
+      </p:ext>
+    </p:extLst>
+  </p:cSld>
+  <p:clrMapOvr>
+    <a:masterClrMapping/>
+  </p:clrMapOvr>
+</p:sld>
+</file>
+
 <file path=ppt/slides/slide2.xml><?xml version="1.0" encoding="utf-8"?>
 <p:sld xmlns:a="http://schemas.openxmlformats.org/drawingml/2006/main" xmlns:r="http://schemas.openxmlformats.org/officeDocument/2006/relationships" xmlns:p="http://schemas.openxmlformats.org/presentationml/2006/main">
   <p:cSld>
@@ -8124,6 +8436,494 @@
     <p:extLst>
       <p:ext uri="{BB962C8B-B14F-4D97-AF65-F5344CB8AC3E}">
         <p14:creationId xmlns:p14="http://schemas.microsoft.com/office/powerpoint/2010/main" val="1552438656"/>
+      </p:ext>
+    </p:extLst>
+  </p:cSld>
+  <p:clrMapOvr>
+    <a:masterClrMapping/>
+  </p:clrMapOvr>
+</p:sld>
+</file>
+
+<file path=ppt/slides/slide7.xml><?xml version="1.0" encoding="utf-8"?>
+<p:sld xmlns:a="http://schemas.openxmlformats.org/drawingml/2006/main" xmlns:r="http://schemas.openxmlformats.org/officeDocument/2006/relationships" xmlns:p="http://schemas.openxmlformats.org/presentationml/2006/main">
+  <p:cSld>
+    <p:spTree>
+      <p:nvGrpSpPr>
+        <p:cNvPr id="1" name=""/>
+        <p:cNvGrpSpPr/>
+        <p:nvPr/>
+      </p:nvGrpSpPr>
+      <p:grpSpPr>
+        <a:xfrm>
+          <a:off x="0" y="0"/>
+          <a:ext cx="0" cy="0"/>
+          <a:chOff x="0" y="0"/>
+          <a:chExt cx="0" cy="0"/>
+        </a:xfrm>
+      </p:grpSpPr>
+      <p:sp>
+        <p:nvSpPr>
+          <p:cNvPr id="2" name="Title 1">
+            <a:extLst>
+              <a:ext uri="{FF2B5EF4-FFF2-40B4-BE49-F238E27FC236}">
+                <a16:creationId xmlns:a16="http://schemas.microsoft.com/office/drawing/2014/main" id="{C50C4A13-6ED7-DE02-6BF6-D62200E39008}"/>
+              </a:ext>
+            </a:extLst>
+          </p:cNvPr>
+          <p:cNvSpPr>
+            <a:spLocks noGrp="1"/>
+          </p:cNvSpPr>
+          <p:nvPr>
+            <p:ph type="title"/>
+          </p:nvPr>
+        </p:nvSpPr>
+        <p:spPr/>
+        <p:txBody>
+          <a:bodyPr/>
+          <a:lstStyle/>
+          <a:p>
+            <a:r>
+              <a:rPr lang="en-US" dirty="0"/>
+              <a:t>RL-Based Qubit Allocation for MTC</a:t>
+            </a:r>
+          </a:p>
+        </p:txBody>
+      </p:sp>
+      <p:sp>
+        <p:nvSpPr>
+          <p:cNvPr id="3" name="Content Placeholder 2">
+            <a:extLst>
+              <a:ext uri="{FF2B5EF4-FFF2-40B4-BE49-F238E27FC236}">
+                <a16:creationId xmlns:a16="http://schemas.microsoft.com/office/drawing/2014/main" id="{1CBF138F-ED1E-1EF8-88DE-D1D11C81AF91}"/>
+              </a:ext>
+            </a:extLst>
+          </p:cNvPr>
+          <p:cNvSpPr>
+            <a:spLocks noGrp="1"/>
+          </p:cNvSpPr>
+          <p:nvPr>
+            <p:ph idx="1"/>
+          </p:nvPr>
+        </p:nvSpPr>
+        <p:spPr/>
+        <p:txBody>
+          <a:bodyPr>
+            <a:normAutofit/>
+          </a:bodyPr>
+          <a:lstStyle/>
+          <a:p>
+            <a:pPr marL="0" indent="0">
+              <a:buNone/>
+            </a:pPr>
+            <a:r>
+              <a:rPr lang="en-US" sz="2800" dirty="0"/>
+              <a:t>In quantum networks (or shared QPUs), qubit reuse creates resource contention + dynamic crosstalk patterns. Hence:</a:t>
+            </a:r>
+          </a:p>
+          <a:p>
+            <a:pPr marL="457200" indent="-457200">
+              <a:buFont typeface="+mj-lt"/>
+              <a:buAutoNum type="arabicPeriod"/>
+            </a:pPr>
+            <a:r>
+              <a:rPr lang="en-US" sz="2800" dirty="0"/>
+              <a:t>Model as MDP → Optimize expected fidelity + waiting time</a:t>
+            </a:r>
+          </a:p>
+          <a:p>
+            <a:pPr marL="457200" indent="-457200">
+              <a:buFont typeface="+mj-lt"/>
+              <a:buAutoNum type="arabicPeriod"/>
+            </a:pPr>
+            <a:r>
+              <a:rPr lang="en-US" sz="2800" dirty="0"/>
+              <a:t>Combine Reinforcement Learning with Active Learning to reduce training cost</a:t>
+            </a:r>
+          </a:p>
+          <a:p>
+            <a:pPr marL="457200" indent="-457200">
+              <a:buFont typeface="+mj-lt"/>
+              <a:buAutoNum type="arabicPeriod"/>
+            </a:pPr>
+            <a:r>
+              <a:rPr lang="en-US" sz="2800" dirty="0"/>
+              <a:t>Learns to dynamically allocate qubits based on:</a:t>
+            </a:r>
+          </a:p>
+          <a:p>
+            <a:pPr marL="0" indent="0">
+              <a:buNone/>
+            </a:pPr>
+            <a:r>
+              <a:rPr lang="en-US" sz="2800" dirty="0"/>
+              <a:t>                   Fidelity maps, Wait time, Resource occupancy</a:t>
+            </a:r>
+          </a:p>
+          <a:p>
+            <a:pPr marL="0" indent="0">
+              <a:buNone/>
+            </a:pPr>
+            <a:endParaRPr lang="en-US" sz="2800" dirty="0"/>
+          </a:p>
+          <a:p>
+            <a:pPr marL="0" indent="0">
+              <a:buNone/>
+            </a:pPr>
+            <a:r>
+              <a:rPr lang="en-US" sz="2800" b="1" dirty="0"/>
+              <a:t>Impact:</a:t>
+            </a:r>
+            <a:r>
+              <a:rPr lang="en-US" sz="2800" dirty="0"/>
+              <a:t>19.2% better path maturity &amp; 23.5ms lower average waiting time</a:t>
+            </a:r>
+          </a:p>
+        </p:txBody>
+      </p:sp>
+      <p:sp>
+        <p:nvSpPr>
+          <p:cNvPr id="4" name="Footer Placeholder 3">
+            <a:extLst>
+              <a:ext uri="{FF2B5EF4-FFF2-40B4-BE49-F238E27FC236}">
+                <a16:creationId xmlns:a16="http://schemas.microsoft.com/office/drawing/2014/main" id="{785B5899-054F-E44C-E722-5BE13AAB7DA8}"/>
+              </a:ext>
+            </a:extLst>
+          </p:cNvPr>
+          <p:cNvSpPr>
+            <a:spLocks noGrp="1"/>
+          </p:cNvSpPr>
+          <p:nvPr>
+            <p:ph type="ftr" sz="quarter" idx="11"/>
+          </p:nvPr>
+        </p:nvSpPr>
+        <p:spPr/>
+        <p:txBody>
+          <a:bodyPr/>
+          <a:lstStyle/>
+          <a:p>
+            <a:r>
+              <a:rPr lang="en-US"/>
+              <a:t>All Rights Reserved</a:t>
+            </a:r>
+            <a:endParaRPr lang="en-US" dirty="0"/>
+          </a:p>
+        </p:txBody>
+      </p:sp>
+    </p:spTree>
+    <p:extLst>
+      <p:ext uri="{BB962C8B-B14F-4D97-AF65-F5344CB8AC3E}">
+        <p14:creationId xmlns:p14="http://schemas.microsoft.com/office/powerpoint/2010/main" val="3681745701"/>
+      </p:ext>
+    </p:extLst>
+  </p:cSld>
+  <p:clrMapOvr>
+    <a:masterClrMapping/>
+  </p:clrMapOvr>
+</p:sld>
+</file>
+
+<file path=ppt/slides/slide8.xml><?xml version="1.0" encoding="utf-8"?>
+<p:sld xmlns:a="http://schemas.openxmlformats.org/drawingml/2006/main" xmlns:r="http://schemas.openxmlformats.org/officeDocument/2006/relationships" xmlns:p="http://schemas.openxmlformats.org/presentationml/2006/main">
+  <p:cSld>
+    <p:spTree>
+      <p:nvGrpSpPr>
+        <p:cNvPr id="1" name=""/>
+        <p:cNvGrpSpPr/>
+        <p:nvPr/>
+      </p:nvGrpSpPr>
+      <p:grpSpPr>
+        <a:xfrm>
+          <a:off x="0" y="0"/>
+          <a:ext cx="0" cy="0"/>
+          <a:chOff x="0" y="0"/>
+          <a:chExt cx="0" cy="0"/>
+        </a:xfrm>
+      </p:grpSpPr>
+      <p:sp>
+        <p:nvSpPr>
+          <p:cNvPr id="2" name="Title 1">
+            <a:extLst>
+              <a:ext uri="{FF2B5EF4-FFF2-40B4-BE49-F238E27FC236}">
+                <a16:creationId xmlns:a16="http://schemas.microsoft.com/office/drawing/2014/main" id="{8B99F61B-6635-9261-7831-A9D6C06549C2}"/>
+              </a:ext>
+            </a:extLst>
+          </p:cNvPr>
+          <p:cNvSpPr>
+            <a:spLocks noGrp="1"/>
+          </p:cNvSpPr>
+          <p:nvPr>
+            <p:ph type="title"/>
+          </p:nvPr>
+        </p:nvSpPr>
+        <p:spPr/>
+        <p:txBody>
+          <a:bodyPr/>
+          <a:lstStyle/>
+          <a:p>
+            <a:r>
+              <a:rPr lang="en-US" dirty="0"/>
+              <a:t>Spectator Qubits for Real-Time Calibration</a:t>
+            </a:r>
+          </a:p>
+        </p:txBody>
+      </p:sp>
+      <p:sp>
+        <p:nvSpPr>
+          <p:cNvPr id="3" name="Content Placeholder 2">
+            <a:extLst>
+              <a:ext uri="{FF2B5EF4-FFF2-40B4-BE49-F238E27FC236}">
+                <a16:creationId xmlns:a16="http://schemas.microsoft.com/office/drawing/2014/main" id="{A9913D57-35FD-4519-1251-35023AC1204F}"/>
+              </a:ext>
+            </a:extLst>
+          </p:cNvPr>
+          <p:cNvSpPr>
+            <a:spLocks noGrp="1"/>
+          </p:cNvSpPr>
+          <p:nvPr>
+            <p:ph idx="1"/>
+          </p:nvPr>
+        </p:nvSpPr>
+        <p:spPr/>
+        <p:txBody>
+          <a:bodyPr>
+            <a:normAutofit/>
+          </a:bodyPr>
+          <a:lstStyle/>
+          <a:p>
+            <a:pPr marL="0" indent="0">
+              <a:buNone/>
+            </a:pPr>
+            <a:r>
+              <a:rPr lang="en-US" sz="2800" b="1" dirty="0"/>
+              <a:t>Errors drift over time, frequent recalibration interrupts computations. </a:t>
+            </a:r>
+            <a:r>
+              <a:rPr lang="en-US" sz="2800" dirty="0"/>
+              <a:t>Hence:</a:t>
+            </a:r>
+          </a:p>
+          <a:p>
+            <a:r>
+              <a:rPr lang="en-US" sz="2800" dirty="0"/>
+              <a:t>Reserve spectator qubits to monitor coherent errors (e.g., magnetic field drift, crosstalk)</a:t>
+            </a:r>
+          </a:p>
+          <a:p>
+            <a:r>
+              <a:rPr lang="en-US" sz="2800" dirty="0"/>
+              <a:t>Use this info to adapt control strategies (e.g., over-rotation angle)</a:t>
+            </a:r>
+          </a:p>
+          <a:p>
+            <a:r>
+              <a:rPr lang="en-US" sz="2800" dirty="0"/>
+              <a:t>Fisher Information and Cramér–Rao bound determine how fast spectator qubits can estimate error parameters.</a:t>
+            </a:r>
+          </a:p>
+          <a:p>
+            <a:pPr marL="0" indent="0">
+              <a:buNone/>
+            </a:pPr>
+            <a:endParaRPr lang="en-US" sz="2800" dirty="0"/>
+          </a:p>
+          <a:p>
+            <a:endParaRPr lang="en-US" sz="2800" dirty="0"/>
+          </a:p>
+          <a:p>
+            <a:endParaRPr lang="en-US" sz="2800" dirty="0"/>
+          </a:p>
+        </p:txBody>
+      </p:sp>
+      <p:sp>
+        <p:nvSpPr>
+          <p:cNvPr id="4" name="Footer Placeholder 3">
+            <a:extLst>
+              <a:ext uri="{FF2B5EF4-FFF2-40B4-BE49-F238E27FC236}">
+                <a16:creationId xmlns:a16="http://schemas.microsoft.com/office/drawing/2014/main" id="{A3F19DCC-0D57-02CF-471F-1D03CF731301}"/>
+              </a:ext>
+            </a:extLst>
+          </p:cNvPr>
+          <p:cNvSpPr>
+            <a:spLocks noGrp="1"/>
+          </p:cNvSpPr>
+          <p:nvPr>
+            <p:ph type="ftr" sz="quarter" idx="11"/>
+          </p:nvPr>
+        </p:nvSpPr>
+        <p:spPr/>
+        <p:txBody>
+          <a:bodyPr/>
+          <a:lstStyle/>
+          <a:p>
+            <a:r>
+              <a:rPr lang="en-US"/>
+              <a:t>All Rights Reserved</a:t>
+            </a:r>
+            <a:endParaRPr lang="en-US" dirty="0"/>
+          </a:p>
+        </p:txBody>
+      </p:sp>
+    </p:spTree>
+    <p:extLst>
+      <p:ext uri="{BB962C8B-B14F-4D97-AF65-F5344CB8AC3E}">
+        <p14:creationId xmlns:p14="http://schemas.microsoft.com/office/powerpoint/2010/main" val="813318014"/>
+      </p:ext>
+    </p:extLst>
+  </p:cSld>
+  <p:clrMapOvr>
+    <a:masterClrMapping/>
+  </p:clrMapOvr>
+</p:sld>
+</file>
+
+<file path=ppt/slides/slide9.xml><?xml version="1.0" encoding="utf-8"?>
+<p:sld xmlns:a="http://schemas.openxmlformats.org/drawingml/2006/main" xmlns:r="http://schemas.openxmlformats.org/officeDocument/2006/relationships" xmlns:p="http://schemas.openxmlformats.org/presentationml/2006/main">
+  <p:cSld>
+    <p:spTree>
+      <p:nvGrpSpPr>
+        <p:cNvPr id="1" name=""/>
+        <p:cNvGrpSpPr/>
+        <p:nvPr/>
+      </p:nvGrpSpPr>
+      <p:grpSpPr>
+        <a:xfrm>
+          <a:off x="0" y="0"/>
+          <a:ext cx="0" cy="0"/>
+          <a:chOff x="0" y="0"/>
+          <a:chExt cx="0" cy="0"/>
+        </a:xfrm>
+      </p:grpSpPr>
+      <p:sp>
+        <p:nvSpPr>
+          <p:cNvPr id="2" name="Title 1">
+            <a:extLst>
+              <a:ext uri="{FF2B5EF4-FFF2-40B4-BE49-F238E27FC236}">
+                <a16:creationId xmlns:a16="http://schemas.microsoft.com/office/drawing/2014/main" id="{4A8C25B4-EF28-5903-2C96-4D3DE4227727}"/>
+              </a:ext>
+            </a:extLst>
+          </p:cNvPr>
+          <p:cNvSpPr>
+            <a:spLocks noGrp="1"/>
+          </p:cNvSpPr>
+          <p:nvPr>
+            <p:ph type="title"/>
+          </p:nvPr>
+        </p:nvSpPr>
+        <p:spPr/>
+        <p:txBody>
+          <a:bodyPr/>
+          <a:lstStyle/>
+          <a:p>
+            <a:r>
+              <a:rPr lang="en-US" dirty="0"/>
+              <a:t>Quantum Differential Privacy (QDP)</a:t>
+            </a:r>
+          </a:p>
+        </p:txBody>
+      </p:sp>
+      <p:sp>
+        <p:nvSpPr>
+          <p:cNvPr id="3" name="Content Placeholder 2">
+            <a:extLst>
+              <a:ext uri="{FF2B5EF4-FFF2-40B4-BE49-F238E27FC236}">
+                <a16:creationId xmlns:a16="http://schemas.microsoft.com/office/drawing/2014/main" id="{B6866200-9C75-975F-F6A7-9528AB4D0525}"/>
+              </a:ext>
+            </a:extLst>
+          </p:cNvPr>
+          <p:cNvSpPr>
+            <a:spLocks noGrp="1"/>
+          </p:cNvSpPr>
+          <p:nvPr>
+            <p:ph idx="1"/>
+          </p:nvPr>
+        </p:nvSpPr>
+        <p:spPr/>
+        <p:txBody>
+          <a:bodyPr>
+            <a:normAutofit/>
+          </a:bodyPr>
+          <a:lstStyle/>
+          <a:p>
+            <a:r>
+              <a:rPr lang="en-US" sz="3200" dirty="0"/>
+              <a:t>Treat crosstalk as a leaky quantum channel</a:t>
+            </a:r>
+          </a:p>
+          <a:p>
+            <a:r>
+              <a:rPr lang="en-US" sz="3200" dirty="0"/>
+              <a:t>Use hockey-stick divergence to bound distinguishability from neighboring inputs</a:t>
+            </a:r>
+          </a:p>
+          <a:p>
+            <a:r>
+              <a:rPr lang="en-US" sz="3200" dirty="0"/>
+              <a:t>Helps design:</a:t>
+            </a:r>
+          </a:p>
+          <a:p>
+            <a:pPr marL="457200" lvl="1" indent="0">
+              <a:buNone/>
+            </a:pPr>
+            <a:r>
+              <a:rPr lang="en-US" sz="3200" dirty="0"/>
+              <a:t>Privacy-aware schedulers</a:t>
+            </a:r>
+          </a:p>
+          <a:p>
+            <a:pPr marL="457200" lvl="1" indent="0">
+              <a:buNone/>
+            </a:pPr>
+            <a:r>
+              <a:rPr lang="en-US" sz="3200" dirty="0"/>
+              <a:t>Leakage-tolerant QEC schemes</a:t>
+            </a:r>
+          </a:p>
+          <a:p>
+            <a:pPr marL="457200" lvl="1" indent="0">
+              <a:buNone/>
+            </a:pPr>
+            <a:r>
+              <a:rPr lang="en-US" sz="3200" dirty="0"/>
+              <a:t>Noise shaping for privacy</a:t>
+            </a:r>
+          </a:p>
+        </p:txBody>
+      </p:sp>
+      <p:sp>
+        <p:nvSpPr>
+          <p:cNvPr id="4" name="Footer Placeholder 3">
+            <a:extLst>
+              <a:ext uri="{FF2B5EF4-FFF2-40B4-BE49-F238E27FC236}">
+                <a16:creationId xmlns:a16="http://schemas.microsoft.com/office/drawing/2014/main" id="{A2C8A328-27B9-5C9E-D33A-D63DC2CCCABA}"/>
+              </a:ext>
+            </a:extLst>
+          </p:cNvPr>
+          <p:cNvSpPr>
+            <a:spLocks noGrp="1"/>
+          </p:cNvSpPr>
+          <p:nvPr>
+            <p:ph type="ftr" sz="quarter" idx="11"/>
+          </p:nvPr>
+        </p:nvSpPr>
+        <p:spPr/>
+        <p:txBody>
+          <a:bodyPr/>
+          <a:lstStyle/>
+          <a:p>
+            <a:r>
+              <a:rPr lang="en-US"/>
+              <a:t>All Rights Reserved</a:t>
+            </a:r>
+            <a:endParaRPr lang="en-US" dirty="0"/>
+          </a:p>
+        </p:txBody>
+      </p:sp>
+    </p:spTree>
+    <p:extLst>
+      <p:ext uri="{BB962C8B-B14F-4D97-AF65-F5344CB8AC3E}">
+        <p14:creationId xmlns:p14="http://schemas.microsoft.com/office/powerpoint/2010/main" val="621676626"/>
       </p:ext>
     </p:extLst>
   </p:cSld>
